--- a/Course Overview.pptx
+++ b/Course Overview.pptx
@@ -5,7 +5,7 @@
     <p:sldMasterId id="2147483687" r:id="rId4"/>
   </p:sldMasterIdLst>
   <p:notesMasterIdLst>
-    <p:notesMasterId r:id="rId11"/>
+    <p:notesMasterId r:id="rId13"/>
   </p:notesMasterIdLst>
   <p:sldIdLst>
     <p:sldId id="1864" r:id="rId5"/>
@@ -13,7 +13,9 @@
     <p:sldId id="1867" r:id="rId7"/>
     <p:sldId id="1868" r:id="rId8"/>
     <p:sldId id="1845" r:id="rId9"/>
-    <p:sldId id="1859" r:id="rId10"/>
+    <p:sldId id="1869" r:id="rId10"/>
+    <p:sldId id="1870" r:id="rId11"/>
+    <p:sldId id="1859" r:id="rId12"/>
   </p:sldIdLst>
   <p:sldSz cx="12192000" cy="6858000"/>
   <p:notesSz cx="6858000" cy="9144000"/>
@@ -1062,7 +1064,7 @@
             <a:fld id="{6DEB7EE2-04A2-4FB2-9625-C9C73AC4D32F}" type="slidenum">
               <a:rPr lang="en-US" altLang="en-US" smtClean="0"/>
               <a:pPr/>
-              <a:t>6</a:t>
+              <a:t>8</a:t>
             </a:fld>
             <a:endParaRPr lang="en-US" altLang="en-US" dirty="0"/>
           </a:p>
@@ -3691,7 +3693,15 @@
           <a:p>
             <a:r>
               <a:rPr lang="en-US" altLang="en-US" sz="1600" dirty="0"/>
-              <a:t>PMP vs Agile (PM vs PO, and Agile Master)</a:t>
+              <a:t>PMP vs Agile (PM vs PO, and </a:t>
+            </a:r>
+            <a:r>
+              <a:rPr lang="en-US" dirty="0"/>
+              <a:t>Scrum</a:t>
+            </a:r>
+            <a:r>
+              <a:rPr lang="en-US" altLang="en-US" sz="1600" dirty="0"/>
+              <a:t> Master)</a:t>
             </a:r>
           </a:p>
           <a:p>
@@ -3806,8 +3816,13 @@
             </a:r>
             <a:r>
               <a:rPr lang="en-US" altLang="en-US" sz="1600" b="0" dirty="0"/>
-              <a:t> 8, Blockchain, Big Data/Hadoop</a:t>
-            </a:r>
+              <a:t> 8, Blockchain, Big Data</a:t>
+            </a:r>
+            <a:r>
+              <a:rPr lang="en-US" altLang="en-US" sz="1600" b="0"/>
+              <a:t>/Hadoop, Redis</a:t>
+            </a:r>
+            <a:endParaRPr lang="en-US" altLang="en-US" sz="1600" b="0" dirty="0"/>
           </a:p>
         </p:txBody>
       </p:sp>
@@ -4280,6 +4295,280 @@
 </file>
 
 <file path=ppt/slides/slide6.xml><?xml version="1.0" encoding="utf-8"?>
+<p:sld xmlns:a="http://schemas.openxmlformats.org/drawingml/2006/main" xmlns:r="http://schemas.openxmlformats.org/officeDocument/2006/relationships" xmlns:p="http://schemas.openxmlformats.org/presentationml/2006/main">
+  <p:cSld>
+    <p:spTree>
+      <p:nvGrpSpPr>
+        <p:cNvPr id="1" name=""/>
+        <p:cNvGrpSpPr/>
+        <p:nvPr/>
+      </p:nvGrpSpPr>
+      <p:grpSpPr>
+        <a:xfrm>
+          <a:off x="0" y="0"/>
+          <a:ext cx="0" cy="0"/>
+          <a:chOff x="0" y="0"/>
+          <a:chExt cx="0" cy="0"/>
+        </a:xfrm>
+      </p:grpSpPr>
+      <p:sp>
+        <p:nvSpPr>
+          <p:cNvPr id="2" name="Title 1">
+            <a:extLst>
+              <a:ext uri="{FF2B5EF4-FFF2-40B4-BE49-F238E27FC236}">
+                <a16:creationId xmlns:a16="http://schemas.microsoft.com/office/drawing/2014/main" id="{7E513B5D-8E82-40A2-9C3F-4E516D509998}"/>
+              </a:ext>
+            </a:extLst>
+          </p:cNvPr>
+          <p:cNvSpPr>
+            <a:spLocks noGrp="1"/>
+          </p:cNvSpPr>
+          <p:nvPr>
+            <p:ph type="title"/>
+          </p:nvPr>
+        </p:nvSpPr>
+        <p:spPr/>
+        <p:txBody>
+          <a:bodyPr/>
+          <a:lstStyle/>
+          <a:p>
+            <a:endParaRPr lang="en-US"/>
+          </a:p>
+        </p:txBody>
+      </p:sp>
+      <p:sp>
+        <p:nvSpPr>
+          <p:cNvPr id="3" name="Text Placeholder 2">
+            <a:extLst>
+              <a:ext uri="{FF2B5EF4-FFF2-40B4-BE49-F238E27FC236}">
+                <a16:creationId xmlns:a16="http://schemas.microsoft.com/office/drawing/2014/main" id="{2F7235A4-CC52-4EDA-9493-249BAB73105F}"/>
+              </a:ext>
+            </a:extLst>
+          </p:cNvPr>
+          <p:cNvSpPr>
+            <a:spLocks noGrp="1"/>
+          </p:cNvSpPr>
+          <p:nvPr>
+            <p:ph type="body" sz="quarter" idx="12"/>
+          </p:nvPr>
+        </p:nvSpPr>
+        <p:spPr/>
+        <p:txBody>
+          <a:bodyPr/>
+          <a:lstStyle/>
+          <a:p>
+            <a:endParaRPr lang="en-US"/>
+          </a:p>
+        </p:txBody>
+      </p:sp>
+      <p:pic>
+        <p:nvPicPr>
+          <p:cNvPr id="4" name="Picture 3">
+            <a:extLst>
+              <a:ext uri="{FF2B5EF4-FFF2-40B4-BE49-F238E27FC236}">
+                <a16:creationId xmlns:a16="http://schemas.microsoft.com/office/drawing/2014/main" id="{1197EC2D-1069-438B-8896-F561BA734382}"/>
+              </a:ext>
+            </a:extLst>
+          </p:cNvPr>
+          <p:cNvPicPr>
+            <a:picLocks noChangeAspect="1"/>
+          </p:cNvPicPr>
+          <p:nvPr/>
+        </p:nvPicPr>
+        <p:blipFill>
+          <a:blip r:embed="rId2"/>
+          <a:stretch>
+            <a:fillRect/>
+          </a:stretch>
+        </p:blipFill>
+        <p:spPr>
+          <a:xfrm>
+            <a:off x="0" y="-1"/>
+            <a:ext cx="12192000" cy="6858001"/>
+          </a:xfrm>
+          <a:prstGeom prst="rect">
+            <a:avLst/>
+          </a:prstGeom>
+        </p:spPr>
+      </p:pic>
+    </p:spTree>
+    <p:extLst>
+      <p:ext uri="{BB962C8B-B14F-4D97-AF65-F5344CB8AC3E}">
+        <p14:creationId xmlns:p14="http://schemas.microsoft.com/office/powerpoint/2010/main" val="922252873"/>
+      </p:ext>
+    </p:extLst>
+  </p:cSld>
+  <p:clrMapOvr>
+    <a:masterClrMapping/>
+  </p:clrMapOvr>
+  <mc:AlternateContent xmlns:mc="http://schemas.openxmlformats.org/markup-compatibility/2006" xmlns:p14="http://schemas.microsoft.com/office/powerpoint/2010/main">
+    <mc:Choice Requires="p14">
+      <p:transition spd="med" p14:dur="700">
+        <p:fade/>
+      </p:transition>
+    </mc:Choice>
+    <mc:Fallback xmlns="">
+      <p:transition spd="med">
+        <p:fade/>
+      </p:transition>
+    </mc:Fallback>
+  </mc:AlternateContent>
+</p:sld>
+</file>
+
+<file path=ppt/slides/slide7.xml><?xml version="1.0" encoding="utf-8"?>
+<p:sld xmlns:a="http://schemas.openxmlformats.org/drawingml/2006/main" xmlns:r="http://schemas.openxmlformats.org/officeDocument/2006/relationships" xmlns:p="http://schemas.openxmlformats.org/presentationml/2006/main">
+  <p:cSld>
+    <p:spTree>
+      <p:nvGrpSpPr>
+        <p:cNvPr id="1" name=""/>
+        <p:cNvGrpSpPr/>
+        <p:nvPr/>
+      </p:nvGrpSpPr>
+      <p:grpSpPr>
+        <a:xfrm>
+          <a:off x="0" y="0"/>
+          <a:ext cx="0" cy="0"/>
+          <a:chOff x="0" y="0"/>
+          <a:chExt cx="0" cy="0"/>
+        </a:xfrm>
+      </p:grpSpPr>
+      <p:sp>
+        <p:nvSpPr>
+          <p:cNvPr id="2" name="Title 1">
+            <a:extLst>
+              <a:ext uri="{FF2B5EF4-FFF2-40B4-BE49-F238E27FC236}">
+                <a16:creationId xmlns:a16="http://schemas.microsoft.com/office/drawing/2014/main" id="{57D55C50-41B8-4303-B44B-27A379C43DE2}"/>
+              </a:ext>
+            </a:extLst>
+          </p:cNvPr>
+          <p:cNvSpPr>
+            <a:spLocks noGrp="1"/>
+          </p:cNvSpPr>
+          <p:nvPr>
+            <p:ph type="title"/>
+          </p:nvPr>
+        </p:nvSpPr>
+        <p:spPr/>
+        <p:txBody>
+          <a:bodyPr/>
+          <a:lstStyle/>
+          <a:p>
+            <a:endParaRPr lang="en-US"/>
+          </a:p>
+        </p:txBody>
+      </p:sp>
+      <p:sp>
+        <p:nvSpPr>
+          <p:cNvPr id="3" name="Text Placeholder 2">
+            <a:extLst>
+              <a:ext uri="{FF2B5EF4-FFF2-40B4-BE49-F238E27FC236}">
+                <a16:creationId xmlns:a16="http://schemas.microsoft.com/office/drawing/2014/main" id="{B46F1AB9-250D-486C-99A2-59FBE8B47212}"/>
+              </a:ext>
+            </a:extLst>
+          </p:cNvPr>
+          <p:cNvSpPr>
+            <a:spLocks noGrp="1"/>
+          </p:cNvSpPr>
+          <p:nvPr>
+            <p:ph type="body" sz="quarter" idx="12"/>
+          </p:nvPr>
+        </p:nvSpPr>
+        <p:spPr/>
+        <p:txBody>
+          <a:bodyPr/>
+          <a:lstStyle/>
+          <a:p>
+            <a:endParaRPr lang="en-US"/>
+          </a:p>
+        </p:txBody>
+      </p:sp>
+      <p:pic>
+        <p:nvPicPr>
+          <p:cNvPr id="4" name="Picture 3">
+            <a:extLst>
+              <a:ext uri="{FF2B5EF4-FFF2-40B4-BE49-F238E27FC236}">
+                <a16:creationId xmlns:a16="http://schemas.microsoft.com/office/drawing/2014/main" id="{6C514FC3-7E7B-4B14-A517-276BB755386A}"/>
+              </a:ext>
+            </a:extLst>
+          </p:cNvPr>
+          <p:cNvPicPr>
+            <a:picLocks noChangeAspect="1"/>
+          </p:cNvPicPr>
+          <p:nvPr/>
+        </p:nvPicPr>
+        <p:blipFill>
+          <a:blip r:embed="rId2"/>
+          <a:stretch>
+            <a:fillRect/>
+          </a:stretch>
+        </p:blipFill>
+        <p:spPr>
+          <a:xfrm>
+            <a:off x="898925" y="779096"/>
+            <a:ext cx="5172797" cy="4896533"/>
+          </a:xfrm>
+          <a:prstGeom prst="rect">
+            <a:avLst/>
+          </a:prstGeom>
+        </p:spPr>
+      </p:pic>
+      <p:pic>
+        <p:nvPicPr>
+          <p:cNvPr id="5" name="Picture 4">
+            <a:extLst>
+              <a:ext uri="{FF2B5EF4-FFF2-40B4-BE49-F238E27FC236}">
+                <a16:creationId xmlns:a16="http://schemas.microsoft.com/office/drawing/2014/main" id="{4D3C3570-9D0B-4293-9A84-B0303D76804E}"/>
+              </a:ext>
+            </a:extLst>
+          </p:cNvPr>
+          <p:cNvPicPr>
+            <a:picLocks noChangeAspect="1"/>
+          </p:cNvPicPr>
+          <p:nvPr/>
+        </p:nvPicPr>
+        <p:blipFill>
+          <a:blip r:embed="rId3"/>
+          <a:stretch>
+            <a:fillRect/>
+          </a:stretch>
+        </p:blipFill>
+        <p:spPr>
+          <a:xfrm>
+            <a:off x="6071722" y="779096"/>
+            <a:ext cx="5134692" cy="4896533"/>
+          </a:xfrm>
+          <a:prstGeom prst="rect">
+            <a:avLst/>
+          </a:prstGeom>
+        </p:spPr>
+      </p:pic>
+    </p:spTree>
+    <p:extLst>
+      <p:ext uri="{BB962C8B-B14F-4D97-AF65-F5344CB8AC3E}">
+        <p14:creationId xmlns:p14="http://schemas.microsoft.com/office/powerpoint/2010/main" val="3911028081"/>
+      </p:ext>
+    </p:extLst>
+  </p:cSld>
+  <p:clrMapOvr>
+    <a:masterClrMapping/>
+  </p:clrMapOvr>
+  <mc:AlternateContent xmlns:mc="http://schemas.openxmlformats.org/markup-compatibility/2006" xmlns:p14="http://schemas.microsoft.com/office/powerpoint/2010/main">
+    <mc:Choice Requires="p14">
+      <p:transition spd="med" p14:dur="700">
+        <p:fade/>
+      </p:transition>
+    </mc:Choice>
+    <mc:Fallback xmlns="">
+      <p:transition spd="med">
+        <p:fade/>
+      </p:transition>
+    </mc:Fallback>
+  </mc:AlternateContent>
+</p:sld>
+</file>
+
+<file path=ppt/slides/slide8.xml><?xml version="1.0" encoding="utf-8"?>
 <p:sld xmlns:a="http://schemas.openxmlformats.org/drawingml/2006/main" xmlns:r="http://schemas.openxmlformats.org/officeDocument/2006/relationships" xmlns:p="http://schemas.openxmlformats.org/presentationml/2006/main">
   <p:cSld>
     <p:spTree>
